--- a/workspace/javaexp/build/classes/javaexp/z01_homework/자바 및 이클립스 설치.pptx
+++ b/workspace/javaexp/build/classes/javaexp/z01_homework/자바 및 이클립스 설치.pptx
@@ -2382,7 +2382,27 @@
                 <a:latin typeface="나눔고딕 ExtraBold"/>
                 <a:ea typeface="나눔고딕 ExtraBold"/>
               </a:rPr>
-              <a:t>자바 및 이클립스 설치</a:t>
+              <a:t>자바 </a:t>
+            </a:r>
+            <a:r>
+              <a:rPr lang="ko-KR" altLang="en-US" sz="4800" spc="-150">
+                <a:solidFill>
+                  <a:schemeClr val="bg1"/>
+                </a:solidFill>
+                <a:latin typeface="나눔고딕 ExtraBold"/>
+                <a:ea typeface="나눔고딕 ExtraBold"/>
+              </a:rPr>
+              <a:t>및 이클립스 </a:t>
+            </a:r>
+            <a:r>
+              <a:rPr lang="ko-KR" altLang="en-US" sz="4800" spc="-150" dirty="0">
+                <a:solidFill>
+                  <a:schemeClr val="bg1"/>
+                </a:solidFill>
+                <a:latin typeface="나눔고딕 ExtraBold"/>
+                <a:ea typeface="나눔고딕 ExtraBold"/>
+              </a:rPr>
+              <a:t>설치</a:t>
             </a:r>
             <a:br>
               <a:rPr lang="en-US" altLang="ko-KR" sz="4800" b="1" kern="1200" spc="-150" dirty="0">
